--- a/docs/NoccatelloEval.pptx
+++ b/docs/NoccatelloEval.pptx
@@ -8,13 +8,13 @@
     <p:sldId id="256" r:id="rId2"/>
     <p:sldId id="271" r:id="rId3"/>
     <p:sldId id="273" r:id="rId4"/>
-    <p:sldId id="274" r:id="rId5"/>
-    <p:sldId id="276" r:id="rId6"/>
-    <p:sldId id="257" r:id="rId7"/>
-    <p:sldId id="275" r:id="rId8"/>
-    <p:sldId id="258" r:id="rId9"/>
-    <p:sldId id="259" r:id="rId10"/>
-    <p:sldId id="272" r:id="rId11"/>
+    <p:sldId id="272" r:id="rId5"/>
+    <p:sldId id="274" r:id="rId6"/>
+    <p:sldId id="276" r:id="rId7"/>
+    <p:sldId id="257" r:id="rId8"/>
+    <p:sldId id="275" r:id="rId9"/>
+    <p:sldId id="258" r:id="rId10"/>
+    <p:sldId id="259" r:id="rId11"/>
     <p:sldId id="260" r:id="rId12"/>
     <p:sldId id="261" r:id="rId13"/>
     <p:sldId id="262" r:id="rId14"/>
@@ -317,7 +317,7 @@
           <a:p>
             <a:fld id="{A24ADD33-B2EE-4465-855A-9DD2E98110F6}" type="datetimeFigureOut">
               <a:rPr lang="de-DE" smtClean="0"/>
-              <a:t>12.03.2014</a:t>
+              <a:t>17.03.2014</a:t>
             </a:fld>
             <a:endParaRPr lang="de-DE"/>
           </a:p>
@@ -494,7 +494,7 @@
           <a:p>
             <a:fld id="{A24ADD33-B2EE-4465-855A-9DD2E98110F6}" type="datetimeFigureOut">
               <a:rPr lang="de-DE" smtClean="0"/>
-              <a:t>12.03.2014</a:t>
+              <a:t>17.03.2014</a:t>
             </a:fld>
             <a:endParaRPr lang="de-DE"/>
           </a:p>
@@ -676,7 +676,7 @@
           <a:p>
             <a:fld id="{A24ADD33-B2EE-4465-855A-9DD2E98110F6}" type="datetimeFigureOut">
               <a:rPr lang="de-DE" smtClean="0"/>
-              <a:t>12.03.2014</a:t>
+              <a:t>17.03.2014</a:t>
             </a:fld>
             <a:endParaRPr lang="de-DE"/>
           </a:p>
@@ -885,7 +885,7 @@
           <a:p>
             <a:fld id="{A24ADD33-B2EE-4465-855A-9DD2E98110F6}" type="datetimeFigureOut">
               <a:rPr lang="de-DE" smtClean="0"/>
-              <a:t>12.03.2014</a:t>
+              <a:t>17.03.2014</a:t>
             </a:fld>
             <a:endParaRPr lang="de-DE"/>
           </a:p>
@@ -1133,7 +1133,7 @@
           <a:p>
             <a:fld id="{A24ADD33-B2EE-4465-855A-9DD2E98110F6}" type="datetimeFigureOut">
               <a:rPr lang="de-DE" smtClean="0"/>
-              <a:t>12.03.2014</a:t>
+              <a:t>17.03.2014</a:t>
             </a:fld>
             <a:endParaRPr lang="de-DE"/>
           </a:p>
@@ -1450,7 +1450,7 @@
           <a:p>
             <a:fld id="{A24ADD33-B2EE-4465-855A-9DD2E98110F6}" type="datetimeFigureOut">
               <a:rPr lang="de-DE" smtClean="0"/>
-              <a:t>12.03.2014</a:t>
+              <a:t>17.03.2014</a:t>
             </a:fld>
             <a:endParaRPr lang="de-DE"/>
           </a:p>
@@ -1900,7 +1900,7 @@
           <a:p>
             <a:fld id="{A24ADD33-B2EE-4465-855A-9DD2E98110F6}" type="datetimeFigureOut">
               <a:rPr lang="de-DE" smtClean="0"/>
-              <a:t>12.03.2014</a:t>
+              <a:t>17.03.2014</a:t>
             </a:fld>
             <a:endParaRPr lang="de-DE"/>
           </a:p>
@@ -2020,7 +2020,7 @@
           <a:p>
             <a:fld id="{A24ADD33-B2EE-4465-855A-9DD2E98110F6}" type="datetimeFigureOut">
               <a:rPr lang="de-DE" smtClean="0"/>
-              <a:t>12.03.2014</a:t>
+              <a:t>17.03.2014</a:t>
             </a:fld>
             <a:endParaRPr lang="de-DE"/>
           </a:p>
@@ -2117,7 +2117,7 @@
           <a:p>
             <a:fld id="{A24ADD33-B2EE-4465-855A-9DD2E98110F6}" type="datetimeFigureOut">
               <a:rPr lang="de-DE" smtClean="0"/>
-              <a:t>12.03.2014</a:t>
+              <a:t>17.03.2014</a:t>
             </a:fld>
             <a:endParaRPr lang="de-DE"/>
           </a:p>
@@ -2409,7 +2409,7 @@
           <a:p>
             <a:fld id="{A24ADD33-B2EE-4465-855A-9DD2E98110F6}" type="datetimeFigureOut">
               <a:rPr lang="de-DE" smtClean="0"/>
-              <a:t>12.03.2014</a:t>
+              <a:t>17.03.2014</a:t>
             </a:fld>
             <a:endParaRPr lang="de-DE"/>
           </a:p>
@@ -2607,7 +2607,7 @@
           <a:p>
             <a:fld id="{A24ADD33-B2EE-4465-855A-9DD2E98110F6}" type="datetimeFigureOut">
               <a:rPr lang="de-DE" smtClean="0"/>
-              <a:t>12.03.2014</a:t>
+              <a:t>17.03.2014</a:t>
             </a:fld>
             <a:endParaRPr lang="de-DE"/>
           </a:p>
@@ -7165,7 +7165,7 @@
           <a:p>
             <a:fld id="{A24ADD33-B2EE-4465-855A-9DD2E98110F6}" type="datetimeFigureOut">
               <a:rPr lang="de-DE" smtClean="0"/>
-              <a:t>12.03.2014</a:t>
+              <a:t>17.03.2014</a:t>
             </a:fld>
             <a:endParaRPr lang="de-DE"/>
           </a:p>
@@ -8382,7 +8382,7 @@
                   <a:schemeClr val="bg2"/>
                 </a:solidFill>
               </a:rPr>
-              <a:t>RequireJS: The JS Module Loader</a:t>
+              <a:t>Binding to the DOM</a:t>
             </a:r>
             <a:endParaRPr lang="de-DE" dirty="0">
               <a:solidFill>
@@ -8394,7 +8394,7 @@
       </p:sp>
       <p:sp>
         <p:nvSpPr>
-          <p:cNvPr id="3" name="Content Placeholder 2"/>
+          <p:cNvPr id="5" name="Content Placeholder 4"/>
           <p:cNvSpPr>
             <a:spLocks noGrp="1"/>
           </p:cNvSpPr>
@@ -8404,92 +8404,369 @@
         </p:nvSpPr>
         <p:spPr/>
         <p:txBody>
-          <a:bodyPr/>
-          <a:lstStyle/>
-          <a:p>
-            <a:pPr>
-              <a:buFont typeface="Wingdings" panose="05000000000000000000" pitchFamily="2" charset="2"/>
-              <a:buChar char="§"/>
+          <a:bodyPr>
+            <a:normAutofit fontScale="85000" lnSpcReduction="20000"/>
+          </a:bodyPr>
+          <a:lstStyle/>
+          <a:p>
+            <a:pPr marL="0" indent="0">
+              <a:buNone/>
             </a:pPr>
             <a:r>
-              <a:rPr lang="en-US" b="1" dirty="0"/>
-              <a:t>C</a:t>
-            </a:r>
-            <a:r>
-              <a:rPr lang="en-US" b="1" dirty="0" smtClean="0"/>
-              <a:t>reate </a:t>
-            </a:r>
-            <a:r>
-              <a:rPr lang="en-US" b="1" dirty="0"/>
-              <a:t>and re-use modules without polluting the global </a:t>
-            </a:r>
-            <a:r>
-              <a:rPr lang="en-US" b="1" dirty="0" smtClean="0"/>
-              <a:t>namespace</a:t>
-            </a:r>
-          </a:p>
-          <a:p>
-            <a:pPr>
-              <a:buFont typeface="Wingdings" panose="05000000000000000000" pitchFamily="2" charset="2"/>
-              <a:buChar char="§"/>
+              <a:rPr lang="en-US" noProof="1"/>
+              <a:t>HTML:</a:t>
+            </a:r>
+          </a:p>
+          <a:p>
+            <a:pPr marL="0" indent="0">
+              <a:buNone/>
             </a:pPr>
             <a:r>
-              <a:rPr lang="de-DE" b="1" dirty="0" smtClean="0"/>
-              <a:t>Structure </a:t>
-            </a:r>
-            <a:r>
-              <a:rPr lang="de-DE" b="1" dirty="0"/>
-              <a:t>your </a:t>
-            </a:r>
-            <a:r>
-              <a:rPr lang="de-DE" b="1" dirty="0" smtClean="0"/>
-              <a:t>code</a:t>
-            </a:r>
-          </a:p>
-          <a:p>
-            <a:pPr>
-              <a:buFont typeface="Wingdings" panose="05000000000000000000" pitchFamily="2" charset="2"/>
-              <a:buChar char="§"/>
+              <a:rPr lang="en-US" noProof="1" smtClean="0">
+                <a:solidFill>
+                  <a:schemeClr val="accent3"/>
+                </a:solidFill>
+                <a:latin typeface="Consolas" panose="020B0609020204030204" pitchFamily="49" charset="0"/>
+                <a:cs typeface="Consolas" panose="020B0609020204030204" pitchFamily="49" charset="0"/>
+              </a:rPr>
+              <a:t>&lt;div id=“root”&gt;</a:t>
+            </a:r>
+          </a:p>
+          <a:p>
+            <a:pPr marL="0" indent="0">
+              <a:buNone/>
             </a:pPr>
             <a:r>
-              <a:rPr lang="de-DE" b="1" dirty="0" smtClean="0"/>
-              <a:t>Build </a:t>
-            </a:r>
-            <a:r>
-              <a:rPr lang="de-DE" b="1" dirty="0"/>
-              <a:t>for </a:t>
-            </a:r>
-            <a:r>
-              <a:rPr lang="de-DE" b="1" dirty="0" smtClean="0"/>
-              <a:t>production</a:t>
-            </a:r>
-          </a:p>
-          <a:p>
-            <a:pPr>
-              <a:buFont typeface="Wingdings" panose="05000000000000000000" pitchFamily="2" charset="2"/>
-              <a:buChar char="§"/>
+              <a:rPr lang="en-US" noProof="1" smtClean="0">
+                <a:solidFill>
+                  <a:schemeClr val="accent3"/>
+                </a:solidFill>
+                <a:latin typeface="Consolas" panose="020B0609020204030204" pitchFamily="49" charset="0"/>
+                <a:cs typeface="Consolas" panose="020B0609020204030204" pitchFamily="49" charset="0"/>
+              </a:rPr>
+              <a:t>	&lt;input type=“text” </a:t>
+            </a:r>
+            <a:r>
+              <a:rPr lang="en-US" noProof="1" smtClean="0">
+                <a:solidFill>
+                  <a:schemeClr val="accent5"/>
+                </a:solidFill>
+                <a:latin typeface="Consolas" panose="020B0609020204030204" pitchFamily="49" charset="0"/>
+                <a:cs typeface="Consolas" panose="020B0609020204030204" pitchFamily="49" charset="0"/>
+              </a:rPr>
+              <a:t>data-bind=“value: firstName”</a:t>
+            </a:r>
+            <a:r>
+              <a:rPr lang="en-US" noProof="1" smtClean="0">
+                <a:solidFill>
+                  <a:schemeClr val="accent3"/>
+                </a:solidFill>
+                <a:latin typeface="Consolas" panose="020B0609020204030204" pitchFamily="49" charset="0"/>
+                <a:cs typeface="Consolas" panose="020B0609020204030204" pitchFamily="49" charset="0"/>
+              </a:rPr>
+              <a:t> /&gt;</a:t>
+            </a:r>
+          </a:p>
+          <a:p>
+            <a:pPr marL="0" indent="0">
+              <a:buNone/>
             </a:pPr>
             <a:r>
-              <a:rPr lang="de-DE" b="1" dirty="0" smtClean="0"/>
-              <a:t>Load small resources on demand</a:t>
-            </a:r>
-          </a:p>
-          <a:p>
-            <a:pPr>
-              <a:buFont typeface="Wingdings" panose="05000000000000000000" pitchFamily="2" charset="2"/>
-              <a:buChar char="§"/>
+              <a:rPr lang="en-US" noProof="1" smtClean="0">
+                <a:solidFill>
+                  <a:schemeClr val="accent3"/>
+                </a:solidFill>
+                <a:latin typeface="Consolas" panose="020B0609020204030204" pitchFamily="49" charset="0"/>
+                <a:cs typeface="Consolas" panose="020B0609020204030204" pitchFamily="49" charset="0"/>
+              </a:rPr>
+              <a:t>	&lt;input type=“text” </a:t>
+            </a:r>
+            <a:r>
+              <a:rPr lang="en-US" noProof="1">
+                <a:solidFill>
+                  <a:schemeClr val="accent5"/>
+                </a:solidFill>
+                <a:latin typeface="Consolas" panose="020B0609020204030204" pitchFamily="49" charset="0"/>
+                <a:cs typeface="Consolas" panose="020B0609020204030204" pitchFamily="49" charset="0"/>
+              </a:rPr>
+              <a:t>data-bind=“value: lastName”</a:t>
+            </a:r>
+            <a:r>
+              <a:rPr lang="en-US" noProof="1" smtClean="0">
+                <a:solidFill>
+                  <a:schemeClr val="accent3"/>
+                </a:solidFill>
+                <a:latin typeface="Consolas" panose="020B0609020204030204" pitchFamily="49" charset="0"/>
+                <a:cs typeface="Consolas" panose="020B0609020204030204" pitchFamily="49" charset="0"/>
+              </a:rPr>
+              <a:t> /&gt;</a:t>
+            </a:r>
+          </a:p>
+          <a:p>
+            <a:pPr marL="0" indent="0">
+              <a:buNone/>
             </a:pPr>
             <a:r>
-              <a:rPr lang="de-DE" b="1" dirty="0" smtClean="0"/>
-              <a:t>Test with delight</a:t>
-            </a:r>
+              <a:rPr lang="en-US" noProof="1" smtClean="0">
+                <a:solidFill>
+                  <a:schemeClr val="accent3"/>
+                </a:solidFill>
+                <a:latin typeface="Consolas" panose="020B0609020204030204" pitchFamily="49" charset="0"/>
+                <a:cs typeface="Consolas" panose="020B0609020204030204" pitchFamily="49" charset="0"/>
+              </a:rPr>
+              <a:t>	&lt;ul </a:t>
+            </a:r>
+            <a:r>
+              <a:rPr lang="en-US" noProof="1">
+                <a:solidFill>
+                  <a:schemeClr val="accent5"/>
+                </a:solidFill>
+                <a:latin typeface="Consolas" panose="020B0609020204030204" pitchFamily="49" charset="0"/>
+                <a:cs typeface="Consolas" panose="020B0609020204030204" pitchFamily="49" charset="0"/>
+              </a:rPr>
+              <a:t>data-bind=“foreach: likes”</a:t>
+            </a:r>
+            <a:r>
+              <a:rPr lang="en-US" noProof="1" smtClean="0">
+                <a:solidFill>
+                  <a:schemeClr val="accent3"/>
+                </a:solidFill>
+                <a:latin typeface="Consolas" panose="020B0609020204030204" pitchFamily="49" charset="0"/>
+                <a:cs typeface="Consolas" panose="020B0609020204030204" pitchFamily="49" charset="0"/>
+              </a:rPr>
+              <a:t>&gt;</a:t>
+            </a:r>
+          </a:p>
+          <a:p>
+            <a:pPr marL="0" indent="0">
+              <a:buNone/>
+            </a:pPr>
+            <a:r>
+              <a:rPr lang="en-US" noProof="1" smtClean="0">
+                <a:solidFill>
+                  <a:schemeClr val="accent3"/>
+                </a:solidFill>
+                <a:latin typeface="Consolas" panose="020B0609020204030204" pitchFamily="49" charset="0"/>
+                <a:cs typeface="Consolas" panose="020B0609020204030204" pitchFamily="49" charset="0"/>
+              </a:rPr>
+              <a:t>		&lt;li </a:t>
+            </a:r>
+            <a:r>
+              <a:rPr lang="en-US" noProof="1">
+                <a:solidFill>
+                  <a:schemeClr val="accent5"/>
+                </a:solidFill>
+                <a:latin typeface="Consolas" panose="020B0609020204030204" pitchFamily="49" charset="0"/>
+                <a:cs typeface="Consolas" panose="020B0609020204030204" pitchFamily="49" charset="0"/>
+              </a:rPr>
+              <a:t>data-bind=“text: $data”</a:t>
+            </a:r>
+            <a:r>
+              <a:rPr lang="en-US" noProof="1" smtClean="0">
+                <a:solidFill>
+                  <a:schemeClr val="accent3"/>
+                </a:solidFill>
+                <a:latin typeface="Consolas" panose="020B0609020204030204" pitchFamily="49" charset="0"/>
+                <a:cs typeface="Consolas" panose="020B0609020204030204" pitchFamily="49" charset="0"/>
+              </a:rPr>
+              <a:t> /&gt;</a:t>
+            </a:r>
+          </a:p>
+          <a:p>
+            <a:pPr marL="0" indent="0">
+              <a:buNone/>
+            </a:pPr>
+            <a:r>
+              <a:rPr lang="en-US" noProof="1" smtClean="0">
+                <a:solidFill>
+                  <a:schemeClr val="accent3"/>
+                </a:solidFill>
+                <a:latin typeface="Consolas" panose="020B0609020204030204" pitchFamily="49" charset="0"/>
+                <a:cs typeface="Consolas" panose="020B0609020204030204" pitchFamily="49" charset="0"/>
+              </a:rPr>
+              <a:t>	&lt;/ul&gt;</a:t>
+            </a:r>
+          </a:p>
+          <a:p>
+            <a:pPr marL="0" indent="0">
+              <a:buNone/>
+            </a:pPr>
+            <a:r>
+              <a:rPr lang="en-US" noProof="1" smtClean="0">
+                <a:solidFill>
+                  <a:schemeClr val="accent3"/>
+                </a:solidFill>
+                <a:latin typeface="Consolas" panose="020B0609020204030204" pitchFamily="49" charset="0"/>
+                <a:cs typeface="Consolas" panose="020B0609020204030204" pitchFamily="49" charset="0"/>
+              </a:rPr>
+              <a:t>	&lt;p&gt;</a:t>
+            </a:r>
+            <a:r>
+              <a:rPr lang="en-US" noProof="1" smtClean="0">
+                <a:solidFill>
+                  <a:schemeClr val="tx2">
+                    <a:lumMod val="60000"/>
+                    <a:lumOff val="40000"/>
+                  </a:schemeClr>
+                </a:solidFill>
+                <a:latin typeface="Consolas" panose="020B0609020204030204" pitchFamily="49" charset="0"/>
+                <a:cs typeface="Consolas" panose="020B0609020204030204" pitchFamily="49" charset="0"/>
+              </a:rPr>
+              <a:t>Welcome, </a:t>
+            </a:r>
+            <a:r>
+              <a:rPr lang="en-US" noProof="1" smtClean="0">
+                <a:solidFill>
+                  <a:schemeClr val="accent3"/>
+                </a:solidFill>
+                <a:latin typeface="Consolas" panose="020B0609020204030204" pitchFamily="49" charset="0"/>
+                <a:cs typeface="Consolas" panose="020B0609020204030204" pitchFamily="49" charset="0"/>
+              </a:rPr>
+              <a:t>&lt;span </a:t>
+            </a:r>
+            <a:r>
+              <a:rPr lang="en-US" noProof="1" smtClean="0">
+                <a:solidFill>
+                  <a:schemeClr val="accent5"/>
+                </a:solidFill>
+                <a:latin typeface="Consolas" panose="020B0609020204030204" pitchFamily="49" charset="0"/>
+                <a:cs typeface="Consolas" panose="020B0609020204030204" pitchFamily="49" charset="0"/>
+              </a:rPr>
+              <a:t>data-bind=“text: fullName”</a:t>
+            </a:r>
+            <a:r>
+              <a:rPr lang="en-US" noProof="1" smtClean="0">
+                <a:solidFill>
+                  <a:schemeClr val="accent3"/>
+                </a:solidFill>
+                <a:latin typeface="Consolas" panose="020B0609020204030204" pitchFamily="49" charset="0"/>
+                <a:cs typeface="Consolas" panose="020B0609020204030204" pitchFamily="49" charset="0"/>
+              </a:rPr>
+              <a:t> /&gt;</a:t>
+            </a:r>
+            <a:r>
+              <a:rPr lang="en-US" noProof="1" smtClean="0">
+                <a:solidFill>
+                  <a:schemeClr val="tx2">
+                    <a:lumMod val="60000"/>
+                    <a:lumOff val="40000"/>
+                  </a:schemeClr>
+                </a:solidFill>
+                <a:latin typeface="Consolas" panose="020B0609020204030204" pitchFamily="49" charset="0"/>
+                <a:cs typeface="Consolas" panose="020B0609020204030204" pitchFamily="49" charset="0"/>
+              </a:rPr>
+              <a:t>!</a:t>
+            </a:r>
+            <a:r>
+              <a:rPr lang="en-US" noProof="1" smtClean="0">
+                <a:solidFill>
+                  <a:schemeClr val="accent3"/>
+                </a:solidFill>
+                <a:latin typeface="Consolas" panose="020B0609020204030204" pitchFamily="49" charset="0"/>
+                <a:cs typeface="Consolas" panose="020B0609020204030204" pitchFamily="49" charset="0"/>
+              </a:rPr>
+              <a:t>&lt;/p&gt;</a:t>
+            </a:r>
+          </a:p>
+          <a:p>
+            <a:pPr marL="0" indent="0">
+              <a:buNone/>
+            </a:pPr>
+            <a:r>
+              <a:rPr lang="en-US" noProof="1" smtClean="0">
+                <a:solidFill>
+                  <a:schemeClr val="accent3"/>
+                </a:solidFill>
+                <a:latin typeface="Consolas" panose="020B0609020204030204" pitchFamily="49" charset="0"/>
+                <a:cs typeface="Consolas" panose="020B0609020204030204" pitchFamily="49" charset="0"/>
+              </a:rPr>
+              <a:t>&lt;/div&gt;</a:t>
+            </a:r>
+          </a:p>
+          <a:p>
+            <a:pPr marL="0" indent="0">
+              <a:buNone/>
+            </a:pPr>
+            <a:endParaRPr lang="en-US" noProof="1" smtClean="0">
+              <a:solidFill>
+                <a:schemeClr val="accent3"/>
+              </a:solidFill>
+              <a:latin typeface="Consolas" panose="020B0609020204030204" pitchFamily="49" charset="0"/>
+              <a:cs typeface="Consolas" panose="020B0609020204030204" pitchFamily="49" charset="0"/>
+            </a:endParaRPr>
+          </a:p>
+          <a:p>
+            <a:pPr marL="0" indent="0">
+              <a:buNone/>
+            </a:pPr>
+            <a:r>
+              <a:rPr lang="en-US" noProof="1"/>
+              <a:t>JavaScript:</a:t>
+            </a:r>
+          </a:p>
+          <a:p>
+            <a:pPr marL="0" indent="0">
+              <a:buNone/>
+            </a:pPr>
+            <a:r>
+              <a:rPr lang="en-US" noProof="1" smtClean="0">
+                <a:solidFill>
+                  <a:schemeClr val="accent3"/>
+                </a:solidFill>
+                <a:latin typeface="Consolas" panose="020B0609020204030204" pitchFamily="49" charset="0"/>
+                <a:cs typeface="Consolas" panose="020B0609020204030204" pitchFamily="49" charset="0"/>
+              </a:rPr>
+              <a:t>var rootElement = document.querySelector(“#</a:t>
+            </a:r>
+            <a:r>
+              <a:rPr lang="en-US" noProof="1">
+                <a:solidFill>
+                  <a:schemeClr val="accent3"/>
+                </a:solidFill>
+                <a:latin typeface="Consolas" panose="020B0609020204030204" pitchFamily="49" charset="0"/>
+                <a:cs typeface="Consolas" panose="020B0609020204030204" pitchFamily="49" charset="0"/>
+              </a:rPr>
+              <a:t>root</a:t>
+            </a:r>
+            <a:r>
+              <a:rPr lang="en-US" noProof="1" smtClean="0">
+                <a:solidFill>
+                  <a:schemeClr val="accent3"/>
+                </a:solidFill>
+                <a:latin typeface="Consolas" panose="020B0609020204030204" pitchFamily="49" charset="0"/>
+                <a:cs typeface="Consolas" panose="020B0609020204030204" pitchFamily="49" charset="0"/>
+              </a:rPr>
+              <a:t>”);</a:t>
+            </a:r>
+          </a:p>
+          <a:p>
+            <a:pPr marL="0" indent="0">
+              <a:buNone/>
+            </a:pPr>
+            <a:r>
+              <a:rPr lang="en-US" noProof="1" smtClean="0">
+                <a:solidFill>
+                  <a:schemeClr val="accent5"/>
+                </a:solidFill>
+                <a:latin typeface="Consolas" panose="020B0609020204030204" pitchFamily="49" charset="0"/>
+                <a:cs typeface="Consolas" panose="020B0609020204030204" pitchFamily="49" charset="0"/>
+              </a:rPr>
+              <a:t>ko.applyBindings(rootElement, viewModel);</a:t>
+            </a:r>
+            <a:endParaRPr lang="en-US" noProof="1">
+              <a:solidFill>
+                <a:schemeClr val="accent5"/>
+              </a:solidFill>
+              <a:latin typeface="Consolas" panose="020B0609020204030204" pitchFamily="49" charset="0"/>
+              <a:cs typeface="Consolas" panose="020B0609020204030204" pitchFamily="49" charset="0"/>
+            </a:endParaRPr>
           </a:p>
         </p:txBody>
       </p:sp>
     </p:spTree>
     <p:extLst>
       <p:ext uri="{BB962C8B-B14F-4D97-AF65-F5344CB8AC3E}">
-        <p14:creationId xmlns:p14="http://schemas.microsoft.com/office/powerpoint/2010/main" val="2927191803"/>
+        <p14:creationId xmlns:p14="http://schemas.microsoft.com/office/powerpoint/2010/main" val="2165226847"/>
       </p:ext>
     </p:extLst>
   </p:cSld>
@@ -17644,6 +17921,168 @@
                   <a:schemeClr val="bg2"/>
                 </a:solidFill>
               </a:rPr>
+              <a:t>RequireJS: The JS Module Loader</a:t>
+            </a:r>
+            <a:endParaRPr lang="de-DE" dirty="0">
+              <a:solidFill>
+                <a:schemeClr val="bg2"/>
+              </a:solidFill>
+            </a:endParaRPr>
+          </a:p>
+        </p:txBody>
+      </p:sp>
+      <p:sp>
+        <p:nvSpPr>
+          <p:cNvPr id="3" name="Content Placeholder 2"/>
+          <p:cNvSpPr>
+            <a:spLocks noGrp="1"/>
+          </p:cNvSpPr>
+          <p:nvPr>
+            <p:ph idx="1"/>
+          </p:nvPr>
+        </p:nvSpPr>
+        <p:spPr/>
+        <p:txBody>
+          <a:bodyPr/>
+          <a:lstStyle/>
+          <a:p>
+            <a:pPr>
+              <a:buFont typeface="Wingdings" panose="05000000000000000000" pitchFamily="2" charset="2"/>
+              <a:buChar char="§"/>
+            </a:pPr>
+            <a:r>
+              <a:rPr lang="en-US" b="1" dirty="0"/>
+              <a:t>C</a:t>
+            </a:r>
+            <a:r>
+              <a:rPr lang="en-US" b="1" dirty="0" smtClean="0"/>
+              <a:t>reate </a:t>
+            </a:r>
+            <a:r>
+              <a:rPr lang="en-US" b="1" dirty="0"/>
+              <a:t>and re-use modules without polluting the global </a:t>
+            </a:r>
+            <a:r>
+              <a:rPr lang="en-US" b="1" dirty="0" smtClean="0"/>
+              <a:t>namespace</a:t>
+            </a:r>
+          </a:p>
+          <a:p>
+            <a:pPr>
+              <a:buFont typeface="Wingdings" panose="05000000000000000000" pitchFamily="2" charset="2"/>
+              <a:buChar char="§"/>
+            </a:pPr>
+            <a:r>
+              <a:rPr lang="de-DE" b="1" dirty="0" smtClean="0"/>
+              <a:t>Structure </a:t>
+            </a:r>
+            <a:r>
+              <a:rPr lang="de-DE" b="1" dirty="0"/>
+              <a:t>your </a:t>
+            </a:r>
+            <a:r>
+              <a:rPr lang="de-DE" b="1" dirty="0" smtClean="0"/>
+              <a:t>code</a:t>
+            </a:r>
+          </a:p>
+          <a:p>
+            <a:pPr>
+              <a:buFont typeface="Wingdings" panose="05000000000000000000" pitchFamily="2" charset="2"/>
+              <a:buChar char="§"/>
+            </a:pPr>
+            <a:r>
+              <a:rPr lang="de-DE" b="1" dirty="0" smtClean="0"/>
+              <a:t>Build </a:t>
+            </a:r>
+            <a:r>
+              <a:rPr lang="de-DE" b="1" dirty="0"/>
+              <a:t>for </a:t>
+            </a:r>
+            <a:r>
+              <a:rPr lang="de-DE" b="1" dirty="0" smtClean="0"/>
+              <a:t>production</a:t>
+            </a:r>
+          </a:p>
+          <a:p>
+            <a:pPr>
+              <a:buFont typeface="Wingdings" panose="05000000000000000000" pitchFamily="2" charset="2"/>
+              <a:buChar char="§"/>
+            </a:pPr>
+            <a:r>
+              <a:rPr lang="de-DE" b="1" dirty="0" smtClean="0"/>
+              <a:t>Load small resources on demand</a:t>
+            </a:r>
+          </a:p>
+          <a:p>
+            <a:pPr>
+              <a:buFont typeface="Wingdings" panose="05000000000000000000" pitchFamily="2" charset="2"/>
+              <a:buChar char="§"/>
+            </a:pPr>
+            <a:r>
+              <a:rPr lang="de-DE" b="1" dirty="0" smtClean="0"/>
+              <a:t>Test with delight</a:t>
+            </a:r>
+          </a:p>
+        </p:txBody>
+      </p:sp>
+    </p:spTree>
+    <p:extLst>
+      <p:ext uri="{BB962C8B-B14F-4D97-AF65-F5344CB8AC3E}">
+        <p14:creationId xmlns:p14="http://schemas.microsoft.com/office/powerpoint/2010/main" val="2927191803"/>
+      </p:ext>
+    </p:extLst>
+  </p:cSld>
+  <p:clrMapOvr>
+    <a:masterClrMapping/>
+  </p:clrMapOvr>
+  <p:timing>
+    <p:tnLst>
+      <p:par>
+        <p:cTn id="1" dur="indefinite" restart="never" nodeType="tmRoot"/>
+      </p:par>
+    </p:tnLst>
+  </p:timing>
+</p:sld>
+</file>
+
+<file path=ppt/slides/slide5.xml><?xml version="1.0" encoding="utf-8"?>
+<p:sld xmlns:a="http://schemas.openxmlformats.org/drawingml/2006/main" xmlns:r="http://schemas.openxmlformats.org/officeDocument/2006/relationships" xmlns:p="http://schemas.openxmlformats.org/presentationml/2006/main" showMasterSp="0">
+  <p:cSld>
+    <p:spTree>
+      <p:nvGrpSpPr>
+        <p:cNvPr id="1" name=""/>
+        <p:cNvGrpSpPr/>
+        <p:nvPr/>
+      </p:nvGrpSpPr>
+      <p:grpSpPr>
+        <a:xfrm>
+          <a:off x="0" y="0"/>
+          <a:ext cx="0" cy="0"/>
+          <a:chOff x="0" y="0"/>
+          <a:chExt cx="0" cy="0"/>
+        </a:xfrm>
+      </p:grpSpPr>
+      <p:sp>
+        <p:nvSpPr>
+          <p:cNvPr id="2" name="Title 1"/>
+          <p:cNvSpPr>
+            <a:spLocks noGrp="1"/>
+          </p:cNvSpPr>
+          <p:nvPr>
+            <p:ph type="title"/>
+          </p:nvPr>
+        </p:nvSpPr>
+        <p:spPr/>
+        <p:txBody>
+          <a:bodyPr/>
+          <a:lstStyle/>
+          <a:p>
+            <a:r>
+              <a:rPr lang="de-DE" dirty="0" smtClean="0">
+                <a:solidFill>
+                  <a:schemeClr val="bg2"/>
+                </a:solidFill>
+              </a:rPr>
               <a:t>RequireJS</a:t>
             </a:r>
             <a:endParaRPr lang="de-DE" dirty="0">
@@ -17775,7 +18214,7 @@
 </p:sld>
 </file>
 
-<file path=ppt/slides/slide5.xml><?xml version="1.0" encoding="utf-8"?>
+<file path=ppt/slides/slide6.xml><?xml version="1.0" encoding="utf-8"?>
 <p:sld xmlns:a="http://schemas.openxmlformats.org/drawingml/2006/main" xmlns:r="http://schemas.openxmlformats.org/officeDocument/2006/relationships" xmlns:p="http://schemas.openxmlformats.org/presentationml/2006/main" showMasterSp="0">
   <p:cSld>
     <p:spTree>
@@ -18540,7 +18979,7 @@
 </p:sld>
 </file>
 
-<file path=ppt/slides/slide6.xml><?xml version="1.0" encoding="utf-8"?>
+<file path=ppt/slides/slide7.xml><?xml version="1.0" encoding="utf-8"?>
 <p:sld xmlns:a="http://schemas.openxmlformats.org/drawingml/2006/main" xmlns:r="http://schemas.openxmlformats.org/officeDocument/2006/relationships" xmlns:p="http://schemas.openxmlformats.org/presentationml/2006/main" showMasterSp="0">
   <p:cSld>
     <p:spTree>
@@ -18690,211 +19129,6 @@
 </p:sld>
 </file>
 
-<file path=ppt/slides/slide7.xml><?xml version="1.0" encoding="utf-8"?>
-<p:sld xmlns:a="http://schemas.openxmlformats.org/drawingml/2006/main" xmlns:r="http://schemas.openxmlformats.org/officeDocument/2006/relationships" xmlns:p="http://schemas.openxmlformats.org/presentationml/2006/main" showMasterSp="0">
-  <p:cSld>
-    <p:spTree>
-      <p:nvGrpSpPr>
-        <p:cNvPr id="1" name=""/>
-        <p:cNvGrpSpPr/>
-        <p:nvPr/>
-      </p:nvGrpSpPr>
-      <p:grpSpPr>
-        <a:xfrm>
-          <a:off x="0" y="0"/>
-          <a:ext cx="0" cy="0"/>
-          <a:chOff x="0" y="0"/>
-          <a:chExt cx="0" cy="0"/>
-        </a:xfrm>
-      </p:grpSpPr>
-      <p:sp>
-        <p:nvSpPr>
-          <p:cNvPr id="2" name="Title 1"/>
-          <p:cNvSpPr>
-            <a:spLocks noGrp="1"/>
-          </p:cNvSpPr>
-          <p:nvPr>
-            <p:ph type="title"/>
-          </p:nvPr>
-        </p:nvSpPr>
-        <p:spPr/>
-        <p:txBody>
-          <a:bodyPr/>
-          <a:lstStyle/>
-          <a:p>
-            <a:r>
-              <a:rPr lang="de-DE" dirty="0" smtClean="0">
-                <a:solidFill>
-                  <a:schemeClr val="bg2"/>
-                </a:solidFill>
-              </a:rPr>
-              <a:t>Two-way </a:t>
-            </a:r>
-            <a:r>
-              <a:rPr lang="de-DE" dirty="0" smtClean="0">
-                <a:solidFill>
-                  <a:schemeClr val="bg2"/>
-                </a:solidFill>
-              </a:rPr>
-              <a:t>data binding with </a:t>
-            </a:r>
-            <a:r>
-              <a:rPr lang="de-DE" dirty="0">
-                <a:solidFill>
-                  <a:schemeClr val="bg2"/>
-                </a:solidFill>
-              </a:rPr>
-              <a:t>Observables</a:t>
-            </a:r>
-          </a:p>
-        </p:txBody>
-      </p:sp>
-      <p:sp>
-        <p:nvSpPr>
-          <p:cNvPr id="3" name="Content Placeholder 2"/>
-          <p:cNvSpPr>
-            <a:spLocks noGrp="1"/>
-          </p:cNvSpPr>
-          <p:nvPr>
-            <p:ph idx="1"/>
-          </p:nvPr>
-        </p:nvSpPr>
-        <p:spPr/>
-        <p:txBody>
-          <a:bodyPr/>
-          <a:lstStyle/>
-          <a:p>
-            <a:pPr marL="0" indent="0">
-              <a:buNone/>
-            </a:pPr>
-            <a:endParaRPr lang="de-DE" dirty="0" smtClean="0"/>
-          </a:p>
-          <a:p>
-            <a:pPr marL="0" indent="0">
-              <a:buNone/>
-            </a:pPr>
-            <a:r>
-              <a:rPr lang="de-DE" dirty="0" smtClean="0"/>
-              <a:t>Create:</a:t>
-            </a:r>
-          </a:p>
-          <a:p>
-            <a:pPr marL="0" indent="0">
-              <a:buNone/>
-            </a:pPr>
-            <a:r>
-              <a:rPr lang="de-DE" dirty="0" smtClean="0">
-                <a:solidFill>
-                  <a:schemeClr val="accent3"/>
-                </a:solidFill>
-                <a:latin typeface="Consolas" panose="020B0609020204030204" pitchFamily="49" charset="0"/>
-                <a:cs typeface="Consolas" panose="020B0609020204030204" pitchFamily="49" charset="0"/>
-              </a:rPr>
-              <a:t>var observable = ko.observable(optionalValue);</a:t>
-            </a:r>
-          </a:p>
-          <a:p>
-            <a:pPr marL="0" indent="0">
-              <a:buNone/>
-            </a:pPr>
-            <a:endParaRPr lang="de-DE" dirty="0" smtClean="0"/>
-          </a:p>
-          <a:p>
-            <a:pPr marL="0" indent="0">
-              <a:buNone/>
-            </a:pPr>
-            <a:r>
-              <a:rPr lang="de-DE" dirty="0" smtClean="0"/>
-              <a:t>Get value:</a:t>
-            </a:r>
-          </a:p>
-          <a:p>
-            <a:pPr marL="0" indent="0">
-              <a:buNone/>
-            </a:pPr>
-            <a:r>
-              <a:rPr lang="de-DE" dirty="0">
-                <a:solidFill>
-                  <a:schemeClr val="accent3"/>
-                </a:solidFill>
-                <a:latin typeface="Consolas" panose="020B0609020204030204" pitchFamily="49" charset="0"/>
-                <a:cs typeface="Consolas" panose="020B0609020204030204" pitchFamily="49" charset="0"/>
-              </a:rPr>
-              <a:t>var value = observable(); </a:t>
-            </a:r>
-            <a:r>
-              <a:rPr lang="de-DE" dirty="0">
-                <a:solidFill>
-                  <a:schemeClr val="accent1"/>
-                </a:solidFill>
-                <a:latin typeface="Consolas" panose="020B0609020204030204" pitchFamily="49" charset="0"/>
-                <a:cs typeface="Consolas" panose="020B0609020204030204" pitchFamily="49" charset="0"/>
-              </a:rPr>
-              <a:t>// call without arg</a:t>
-            </a:r>
-          </a:p>
-          <a:p>
-            <a:pPr marL="0" indent="0">
-              <a:buNone/>
-            </a:pPr>
-            <a:endParaRPr lang="de-DE" dirty="0" smtClean="0"/>
-          </a:p>
-          <a:p>
-            <a:pPr marL="0" indent="0">
-              <a:buNone/>
-            </a:pPr>
-            <a:r>
-              <a:rPr lang="de-DE" dirty="0" smtClean="0"/>
-              <a:t>Set value:</a:t>
-            </a:r>
-          </a:p>
-          <a:p>
-            <a:pPr marL="0" indent="0">
-              <a:buNone/>
-            </a:pPr>
-            <a:r>
-              <a:rPr lang="de-DE" dirty="0">
-                <a:solidFill>
-                  <a:schemeClr val="accent3"/>
-                </a:solidFill>
-                <a:latin typeface="Consolas" panose="020B0609020204030204" pitchFamily="49" charset="0"/>
-                <a:cs typeface="Consolas" panose="020B0609020204030204" pitchFamily="49" charset="0"/>
-              </a:rPr>
-              <a:t>observable(newValue); </a:t>
-            </a:r>
-            <a:r>
-              <a:rPr lang="de-DE" dirty="0">
-                <a:solidFill>
-                  <a:schemeClr val="accent1"/>
-                </a:solidFill>
-                <a:latin typeface="Consolas" panose="020B0609020204030204" pitchFamily="49" charset="0"/>
-                <a:cs typeface="Consolas" panose="020B0609020204030204" pitchFamily="49" charset="0"/>
-              </a:rPr>
-              <a:t>// call with arg</a:t>
-            </a:r>
-          </a:p>
-        </p:txBody>
-      </p:sp>
-    </p:spTree>
-    <p:extLst>
-      <p:ext uri="{BB962C8B-B14F-4D97-AF65-F5344CB8AC3E}">
-        <p14:creationId xmlns:p14="http://schemas.microsoft.com/office/powerpoint/2010/main" val="1563844914"/>
-      </p:ext>
-    </p:extLst>
-  </p:cSld>
-  <p:clrMapOvr>
-    <a:masterClrMapping/>
-  </p:clrMapOvr>
-  <p:timing>
-    <p:tnLst>
-      <p:par>
-        <p:cTn id="1" dur="indefinite" restart="never" nodeType="tmRoot"/>
-      </p:par>
-    </p:tnLst>
-  </p:timing>
-</p:sld>
-</file>
-
 <file path=ppt/slides/slide8.xml><?xml version="1.0" encoding="utf-8"?>
 <p:sld xmlns:a="http://schemas.openxmlformats.org/drawingml/2006/main" xmlns:r="http://schemas.openxmlformats.org/officeDocument/2006/relationships" xmlns:p="http://schemas.openxmlformats.org/presentationml/2006/main" showMasterSp="0">
   <p:cSld>
@@ -18933,13 +19167,16 @@
                   <a:schemeClr val="bg2"/>
                 </a:solidFill>
               </a:rPr>
-              <a:t>Three fundamental types</a:t>
-            </a:r>
-            <a:endParaRPr lang="de-DE" dirty="0">
-              <a:solidFill>
-                <a:schemeClr val="bg2"/>
-              </a:solidFill>
-            </a:endParaRPr>
+              <a:t>Two-way data binding with </a:t>
+            </a:r>
+            <a:r>
+              <a:rPr lang="de-DE" dirty="0">
+                <a:solidFill>
+                  <a:schemeClr val="bg2"/>
+                </a:solidFill>
+              </a:rPr>
+              <a:t>Observables</a:t>
+            </a:r>
           </a:p>
         </p:txBody>
       </p:sp>
@@ -18955,36 +19192,21 @@
         </p:nvSpPr>
         <p:spPr/>
         <p:txBody>
-          <a:bodyPr>
-            <a:normAutofit fontScale="85000" lnSpcReduction="20000"/>
-          </a:bodyPr>
+          <a:bodyPr/>
           <a:lstStyle/>
           <a:p>
             <a:pPr marL="0" indent="0">
               <a:buNone/>
             </a:pPr>
-            <a:r>
-              <a:rPr lang="en-US" b="1" noProof="1" smtClean="0"/>
-              <a:t>Single value</a:t>
-            </a:r>
-            <a:r>
-              <a:rPr lang="en-US" noProof="1" smtClean="0"/>
-              <a:t>: ko.observable()</a:t>
-            </a:r>
+            <a:endParaRPr lang="de-DE" dirty="0" smtClean="0"/>
           </a:p>
           <a:p>
             <a:pPr marL="0" indent="0">
               <a:buNone/>
             </a:pPr>
             <a:r>
-              <a:rPr lang="en-US" noProof="1" smtClean="0">
-                <a:solidFill>
-                  <a:schemeClr val="accent3"/>
-                </a:solidFill>
-                <a:latin typeface="Consolas" panose="020B0609020204030204" pitchFamily="49" charset="0"/>
-                <a:cs typeface="Consolas" panose="020B0609020204030204" pitchFamily="49" charset="0"/>
-              </a:rPr>
-              <a:t>var max = {</a:t>
+              <a:rPr lang="de-DE" dirty="0" smtClean="0"/>
+              <a:t>Create:</a:t>
             </a:r>
           </a:p>
           <a:p>
@@ -18992,214 +19214,102 @@
               <a:buNone/>
             </a:pPr>
             <a:r>
-              <a:rPr lang="en-US" noProof="1" smtClean="0">
+              <a:rPr lang="de-DE" dirty="0" smtClean="0">
                 <a:solidFill>
                   <a:schemeClr val="accent3"/>
                 </a:solidFill>
                 <a:latin typeface="Consolas" panose="020B0609020204030204" pitchFamily="49" charset="0"/>
                 <a:cs typeface="Consolas" panose="020B0609020204030204" pitchFamily="49" charset="0"/>
               </a:rPr>
-              <a:t>	firstName: ko.observable(“Max”),</a:t>
+              <a:t>var observable = ko.observable(optionalValue);</a:t>
             </a:r>
           </a:p>
           <a:p>
             <a:pPr marL="0" indent="0">
               <a:buNone/>
             </a:pPr>
-            <a:r>
-              <a:rPr lang="en-US" noProof="1" smtClean="0">
-                <a:solidFill>
-                  <a:schemeClr val="accent3"/>
-                </a:solidFill>
-                <a:latin typeface="Consolas" panose="020B0609020204030204" pitchFamily="49" charset="0"/>
-                <a:cs typeface="Consolas" panose="020B0609020204030204" pitchFamily="49" charset="0"/>
-              </a:rPr>
-              <a:t>	lastName: ko.observable(“Pecu”)</a:t>
-            </a:r>
+            <a:endParaRPr lang="de-DE" dirty="0" smtClean="0"/>
           </a:p>
           <a:p>
             <a:pPr marL="0" indent="0">
               <a:buNone/>
             </a:pPr>
             <a:r>
-              <a:rPr lang="en-US" noProof="1" smtClean="0">
-                <a:solidFill>
-                  <a:schemeClr val="accent3"/>
-                </a:solidFill>
-                <a:latin typeface="Consolas" panose="020B0609020204030204" pitchFamily="49" charset="0"/>
-                <a:cs typeface="Consolas" panose="020B0609020204030204" pitchFamily="49" charset="0"/>
-              </a:rPr>
-              <a:t>}</a:t>
+              <a:rPr lang="de-DE" dirty="0" smtClean="0"/>
+              <a:t>Get value:</a:t>
             </a:r>
           </a:p>
           <a:p>
             <a:pPr marL="0" indent="0">
               <a:buNone/>
             </a:pPr>
-            <a:endParaRPr lang="en-US" noProof="1" smtClean="0"/>
+            <a:r>
+              <a:rPr lang="de-DE" dirty="0">
+                <a:solidFill>
+                  <a:schemeClr val="accent3"/>
+                </a:solidFill>
+                <a:latin typeface="Consolas" panose="020B0609020204030204" pitchFamily="49" charset="0"/>
+                <a:cs typeface="Consolas" panose="020B0609020204030204" pitchFamily="49" charset="0"/>
+              </a:rPr>
+              <a:t>var value = observable(); </a:t>
+            </a:r>
+            <a:r>
+              <a:rPr lang="de-DE" dirty="0">
+                <a:solidFill>
+                  <a:schemeClr val="accent1"/>
+                </a:solidFill>
+                <a:latin typeface="Consolas" panose="020B0609020204030204" pitchFamily="49" charset="0"/>
+                <a:cs typeface="Consolas" panose="020B0609020204030204" pitchFamily="49" charset="0"/>
+              </a:rPr>
+              <a:t>// call without arg</a:t>
+            </a:r>
           </a:p>
           <a:p>
             <a:pPr marL="0" indent="0">
               <a:buNone/>
             </a:pPr>
-            <a:r>
-              <a:rPr lang="en-US" b="1" noProof="1" smtClean="0"/>
-              <a:t>Collections</a:t>
-            </a:r>
-            <a:r>
-              <a:rPr lang="en-US" noProof="1" smtClean="0"/>
-              <a:t>: ko.observableArray()</a:t>
-            </a:r>
+            <a:endParaRPr lang="de-DE" dirty="0" smtClean="0"/>
           </a:p>
           <a:p>
             <a:pPr marL="0" indent="0">
               <a:buNone/>
             </a:pPr>
             <a:r>
-              <a:rPr lang="en-US" noProof="1">
-                <a:solidFill>
-                  <a:schemeClr val="accent3"/>
-                </a:solidFill>
-                <a:latin typeface="Consolas" panose="020B0609020204030204" pitchFamily="49" charset="0"/>
-                <a:cs typeface="Consolas" panose="020B0609020204030204" pitchFamily="49" charset="0"/>
-              </a:rPr>
-              <a:t>max.likes = ko.observableArray</a:t>
-            </a:r>
-            <a:r>
-              <a:rPr lang="en-US" noProof="1" smtClean="0">
-                <a:solidFill>
-                  <a:schemeClr val="accent3"/>
-                </a:solidFill>
-                <a:latin typeface="Consolas" panose="020B0609020204030204" pitchFamily="49" charset="0"/>
-                <a:cs typeface="Consolas" panose="020B0609020204030204" pitchFamily="49" charset="0"/>
-              </a:rPr>
-              <a:t>([“Music</a:t>
-            </a:r>
-            <a:r>
-              <a:rPr lang="en-US" noProof="1">
-                <a:solidFill>
-                  <a:schemeClr val="accent3"/>
-                </a:solidFill>
-                <a:latin typeface="Consolas" panose="020B0609020204030204" pitchFamily="49" charset="0"/>
-                <a:cs typeface="Consolas" panose="020B0609020204030204" pitchFamily="49" charset="0"/>
-              </a:rPr>
-              <a:t>”, “Hiking</a:t>
-            </a:r>
-            <a:r>
-              <a:rPr lang="en-US" noProof="1" smtClean="0">
-                <a:solidFill>
-                  <a:schemeClr val="accent3"/>
-                </a:solidFill>
-                <a:latin typeface="Consolas" panose="020B0609020204030204" pitchFamily="49" charset="0"/>
-                <a:cs typeface="Consolas" panose="020B0609020204030204" pitchFamily="49" charset="0"/>
-              </a:rPr>
-              <a:t>”, “Swimming”]);</a:t>
-            </a:r>
-            <a:endParaRPr lang="en-US" noProof="1">
-              <a:solidFill>
-                <a:schemeClr val="accent3"/>
-              </a:solidFill>
-              <a:latin typeface="Consolas" panose="020B0609020204030204" pitchFamily="49" charset="0"/>
-              <a:cs typeface="Consolas" panose="020B0609020204030204" pitchFamily="49" charset="0"/>
-            </a:endParaRPr>
+              <a:rPr lang="de-DE" dirty="0" smtClean="0"/>
+              <a:t>Set value:</a:t>
+            </a:r>
           </a:p>
           <a:p>
             <a:pPr marL="0" indent="0">
               <a:buNone/>
             </a:pPr>
-            <a:endParaRPr lang="en-US" noProof="1" smtClean="0"/>
-          </a:p>
-          <a:p>
-            <a:pPr marL="0" indent="0">
-              <a:buNone/>
-            </a:pPr>
-            <a:r>
-              <a:rPr lang="en-US" b="1" noProof="1" smtClean="0"/>
-              <a:t>Virtual values</a:t>
-            </a:r>
-            <a:r>
-              <a:rPr lang="en-US" noProof="1" smtClean="0"/>
-              <a:t>: ko.computed()</a:t>
-            </a:r>
-          </a:p>
-          <a:p>
-            <a:pPr marL="0" indent="0">
-              <a:buNone/>
-            </a:pPr>
-            <a:r>
-              <a:rPr lang="en-US" noProof="1">
+            <a:r>
+              <a:rPr lang="de-DE" dirty="0">
                 <a:solidFill>
                   <a:schemeClr val="accent3"/>
                 </a:solidFill>
                 <a:latin typeface="Consolas" panose="020B0609020204030204" pitchFamily="49" charset="0"/>
                 <a:cs typeface="Consolas" panose="020B0609020204030204" pitchFamily="49" charset="0"/>
               </a:rPr>
-              <a:t>max.fullName = ko.computed(function() {</a:t>
-            </a:r>
-          </a:p>
-          <a:p>
-            <a:pPr marL="0" indent="0">
-              <a:buNone/>
-            </a:pPr>
-            <a:r>
-              <a:rPr lang="en-US" noProof="1">
-                <a:solidFill>
-                  <a:schemeClr val="accent3"/>
+              <a:t>observable(newValue); </a:t>
+            </a:r>
+            <a:r>
+              <a:rPr lang="de-DE" dirty="0">
+                <a:solidFill>
+                  <a:schemeClr val="accent1"/>
                 </a:solidFill>
                 <a:latin typeface="Consolas" panose="020B0609020204030204" pitchFamily="49" charset="0"/>
                 <a:cs typeface="Consolas" panose="020B0609020204030204" pitchFamily="49" charset="0"/>
               </a:rPr>
-              <a:t>	return max.firstName() + “ ” + max.lastName();</a:t>
-            </a:r>
-          </a:p>
-          <a:p>
-            <a:pPr marL="0" indent="0">
-              <a:buNone/>
-            </a:pPr>
-            <a:r>
-              <a:rPr lang="en-US" noProof="1">
-                <a:solidFill>
-                  <a:schemeClr val="accent3"/>
-                </a:solidFill>
-                <a:latin typeface="Consolas" panose="020B0609020204030204" pitchFamily="49" charset="0"/>
-                <a:cs typeface="Consolas" panose="020B0609020204030204" pitchFamily="49" charset="0"/>
-              </a:rPr>
-              <a:t>}); </a:t>
-            </a:r>
-            <a:r>
-              <a:rPr lang="en-US" noProof="1">
-                <a:solidFill>
-                  <a:schemeClr val="accent1"/>
-                </a:solidFill>
-                <a:latin typeface="Consolas" panose="020B0609020204030204" pitchFamily="49" charset="0"/>
-                <a:cs typeface="Consolas" panose="020B0609020204030204" pitchFamily="49" charset="0"/>
-              </a:rPr>
-              <a:t>// </a:t>
-            </a:r>
-            <a:r>
-              <a:rPr lang="en-US" noProof="1" smtClean="0">
-                <a:solidFill>
-                  <a:schemeClr val="accent1"/>
-                </a:solidFill>
-                <a:latin typeface="Consolas" panose="020B0609020204030204" pitchFamily="49" charset="0"/>
-                <a:cs typeface="Consolas" panose="020B0609020204030204" pitchFamily="49" charset="0"/>
-              </a:rPr>
-              <a:t>re-evaluating when any referenced observable changes</a:t>
-            </a:r>
-            <a:endParaRPr lang="en-US" noProof="1">
-              <a:solidFill>
-                <a:schemeClr val="accent1"/>
-              </a:solidFill>
-              <a:latin typeface="Consolas" panose="020B0609020204030204" pitchFamily="49" charset="0"/>
-              <a:cs typeface="Consolas" panose="020B0609020204030204" pitchFamily="49" charset="0"/>
-            </a:endParaRPr>
+              <a:t>// call with arg</a:t>
+            </a:r>
           </a:p>
         </p:txBody>
       </p:sp>
     </p:spTree>
     <p:extLst>
       <p:ext uri="{BB962C8B-B14F-4D97-AF65-F5344CB8AC3E}">
-        <p14:creationId xmlns:p14="http://schemas.microsoft.com/office/powerpoint/2010/main" val="1671675831"/>
+        <p14:creationId xmlns:p14="http://schemas.microsoft.com/office/powerpoint/2010/main" val="1563844914"/>
       </p:ext>
     </p:extLst>
   </p:cSld>
@@ -19254,7 +19364,7 @@
                   <a:schemeClr val="bg2"/>
                 </a:solidFill>
               </a:rPr>
-              <a:t>Binding to the DOM</a:t>
+              <a:t>Three fundamental types</a:t>
             </a:r>
             <a:endParaRPr lang="de-DE" dirty="0">
               <a:solidFill>
@@ -19266,7 +19376,7 @@
       </p:sp>
       <p:sp>
         <p:nvSpPr>
-          <p:cNvPr id="5" name="Content Placeholder 4"/>
+          <p:cNvPr id="3" name="Content Placeholder 2"/>
           <p:cNvSpPr>
             <a:spLocks noGrp="1"/>
           </p:cNvSpPr>
@@ -19285,8 +19395,12 @@
               <a:buNone/>
             </a:pPr>
             <a:r>
-              <a:rPr lang="en-US" noProof="1"/>
-              <a:t>HTML:</a:t>
+              <a:rPr lang="en-US" b="1" noProof="1" smtClean="0"/>
+              <a:t>Single value</a:t>
+            </a:r>
+            <a:r>
+              <a:rPr lang="en-US" noProof="1" smtClean="0"/>
+              <a:t>: ko.observable()</a:t>
             </a:r>
           </a:p>
           <a:p>
@@ -19301,7 +19415,7 @@
                 <a:latin typeface="Consolas" panose="020B0609020204030204" pitchFamily="49" charset="0"/>
                 <a:cs typeface="Consolas" panose="020B0609020204030204" pitchFamily="49" charset="0"/>
               </a:rPr>
-              <a:t>&lt;div id=“root”&gt;</a:t>
+              <a:t>var max = {</a:t>
             </a:r>
           </a:p>
           <a:p>
@@ -19316,27 +19430,7 @@
                 <a:latin typeface="Consolas" panose="020B0609020204030204" pitchFamily="49" charset="0"/>
                 <a:cs typeface="Consolas" panose="020B0609020204030204" pitchFamily="49" charset="0"/>
               </a:rPr>
-              <a:t>	&lt;input type=“text” </a:t>
-            </a:r>
-            <a:r>
-              <a:rPr lang="en-US" noProof="1" smtClean="0">
-                <a:solidFill>
-                  <a:schemeClr val="accent5"/>
-                </a:solidFill>
-                <a:latin typeface="Consolas" panose="020B0609020204030204" pitchFamily="49" charset="0"/>
-                <a:cs typeface="Consolas" panose="020B0609020204030204" pitchFamily="49" charset="0"/>
-              </a:rPr>
-              <a:t>data-bind=“value: firstName”</a:t>
-            </a:r>
-            <a:r>
-              <a:rPr lang="en-US" noProof="1" smtClean="0">
-                <a:solidFill>
-                  <a:schemeClr val="accent3"/>
-                </a:solidFill>
-                <a:latin typeface="Consolas" panose="020B0609020204030204" pitchFamily="49" charset="0"/>
-                <a:cs typeface="Consolas" panose="020B0609020204030204" pitchFamily="49" charset="0"/>
-              </a:rPr>
-              <a:t> /&gt;</a:t>
+              <a:t>	firstName: ko.observable(“Max”),</a:t>
             </a:r>
           </a:p>
           <a:p>
@@ -19351,27 +19445,7 @@
                 <a:latin typeface="Consolas" panose="020B0609020204030204" pitchFamily="49" charset="0"/>
                 <a:cs typeface="Consolas" panose="020B0609020204030204" pitchFamily="49" charset="0"/>
               </a:rPr>
-              <a:t>	&lt;input type=“text” </a:t>
-            </a:r>
-            <a:r>
-              <a:rPr lang="en-US" noProof="1">
-                <a:solidFill>
-                  <a:schemeClr val="accent5"/>
-                </a:solidFill>
-                <a:latin typeface="Consolas" panose="020B0609020204030204" pitchFamily="49" charset="0"/>
-                <a:cs typeface="Consolas" panose="020B0609020204030204" pitchFamily="49" charset="0"/>
-              </a:rPr>
-              <a:t>data-bind=“value: lastName”</a:t>
-            </a:r>
-            <a:r>
-              <a:rPr lang="en-US" noProof="1" smtClean="0">
-                <a:solidFill>
-                  <a:schemeClr val="accent3"/>
-                </a:solidFill>
-                <a:latin typeface="Consolas" panose="020B0609020204030204" pitchFamily="49" charset="0"/>
-                <a:cs typeface="Consolas" panose="020B0609020204030204" pitchFamily="49" charset="0"/>
-              </a:rPr>
-              <a:t> /&gt;</a:t>
+              <a:t>	lastName: ko.observable(“Pecu”)</a:t>
             </a:r>
           </a:p>
           <a:p>
@@ -19386,77 +19460,26 @@
                 <a:latin typeface="Consolas" panose="020B0609020204030204" pitchFamily="49" charset="0"/>
                 <a:cs typeface="Consolas" panose="020B0609020204030204" pitchFamily="49" charset="0"/>
               </a:rPr>
-              <a:t>	&lt;ul </a:t>
-            </a:r>
-            <a:r>
-              <a:rPr lang="en-US" noProof="1">
-                <a:solidFill>
-                  <a:schemeClr val="accent5"/>
-                </a:solidFill>
-                <a:latin typeface="Consolas" panose="020B0609020204030204" pitchFamily="49" charset="0"/>
-                <a:cs typeface="Consolas" panose="020B0609020204030204" pitchFamily="49" charset="0"/>
-              </a:rPr>
-              <a:t>data-bind=“foreach: likes”</a:t>
-            </a:r>
-            <a:r>
-              <a:rPr lang="en-US" noProof="1" smtClean="0">
-                <a:solidFill>
-                  <a:schemeClr val="accent3"/>
-                </a:solidFill>
-                <a:latin typeface="Consolas" panose="020B0609020204030204" pitchFamily="49" charset="0"/>
-                <a:cs typeface="Consolas" panose="020B0609020204030204" pitchFamily="49" charset="0"/>
-              </a:rPr>
-              <a:t>&gt;</a:t>
+              <a:t>}</a:t>
             </a:r>
           </a:p>
           <a:p>
             <a:pPr marL="0" indent="0">
               <a:buNone/>
             </a:pPr>
-            <a:r>
-              <a:rPr lang="en-US" noProof="1" smtClean="0">
-                <a:solidFill>
-                  <a:schemeClr val="accent3"/>
-                </a:solidFill>
-                <a:latin typeface="Consolas" panose="020B0609020204030204" pitchFamily="49" charset="0"/>
-                <a:cs typeface="Consolas" panose="020B0609020204030204" pitchFamily="49" charset="0"/>
-              </a:rPr>
-              <a:t>		&lt;li </a:t>
-            </a:r>
-            <a:r>
-              <a:rPr lang="en-US" noProof="1">
-                <a:solidFill>
-                  <a:schemeClr val="accent5"/>
-                </a:solidFill>
-                <a:latin typeface="Consolas" panose="020B0609020204030204" pitchFamily="49" charset="0"/>
-                <a:cs typeface="Consolas" panose="020B0609020204030204" pitchFamily="49" charset="0"/>
-              </a:rPr>
-              <a:t>data-bind=“text: $data”</a:t>
-            </a:r>
-            <a:r>
-              <a:rPr lang="en-US" noProof="1" smtClean="0">
-                <a:solidFill>
-                  <a:schemeClr val="accent3"/>
-                </a:solidFill>
-                <a:latin typeface="Consolas" panose="020B0609020204030204" pitchFamily="49" charset="0"/>
-                <a:cs typeface="Consolas" panose="020B0609020204030204" pitchFamily="49" charset="0"/>
-              </a:rPr>
-              <a:t> /&gt;</a:t>
-            </a:r>
+            <a:endParaRPr lang="en-US" noProof="1" smtClean="0"/>
           </a:p>
           <a:p>
             <a:pPr marL="0" indent="0">
               <a:buNone/>
             </a:pPr>
             <a:r>
-              <a:rPr lang="en-US" noProof="1" smtClean="0">
-                <a:solidFill>
-                  <a:schemeClr val="accent3"/>
-                </a:solidFill>
-                <a:latin typeface="Consolas" panose="020B0609020204030204" pitchFamily="49" charset="0"/>
-                <a:cs typeface="Consolas" panose="020B0609020204030204" pitchFamily="49" charset="0"/>
-              </a:rPr>
-              <a:t>	&lt;/ul&gt;</a:t>
+              <a:rPr lang="en-US" b="1" noProof="1" smtClean="0"/>
+              <a:t>Collections</a:t>
+            </a:r>
+            <a:r>
+              <a:rPr lang="en-US" noProof="1" smtClean="0"/>
+              <a:t>: ko.observableArray()</a:t>
             </a:r>
           </a:p>
           <a:p>
@@ -19464,102 +19487,46 @@
               <a:buNone/>
             </a:pPr>
             <a:r>
-              <a:rPr lang="en-US" noProof="1" smtClean="0">
+              <a:rPr lang="en-US" noProof="1">
                 <a:solidFill>
                   <a:schemeClr val="accent3"/>
                 </a:solidFill>
                 <a:latin typeface="Consolas" panose="020B0609020204030204" pitchFamily="49" charset="0"/>
                 <a:cs typeface="Consolas" panose="020B0609020204030204" pitchFamily="49" charset="0"/>
               </a:rPr>
-              <a:t>	&lt;p&gt;</a:t>
+              <a:t>max.likes = ko.observableArray</a:t>
             </a:r>
             <a:r>
               <a:rPr lang="en-US" noProof="1" smtClean="0">
                 <a:solidFill>
-                  <a:schemeClr val="tx2">
-                    <a:lumMod val="60000"/>
-                    <a:lumOff val="40000"/>
-                  </a:schemeClr>
+                  <a:schemeClr val="accent3"/>
                 </a:solidFill>
                 <a:latin typeface="Consolas" panose="020B0609020204030204" pitchFamily="49" charset="0"/>
                 <a:cs typeface="Consolas" panose="020B0609020204030204" pitchFamily="49" charset="0"/>
               </a:rPr>
-              <a:t>Welcome, </a:t>
-            </a:r>
-            <a:r>
-              <a:rPr lang="en-US" noProof="1" smtClean="0">
+              <a:t>([“Music</a:t>
+            </a:r>
+            <a:r>
+              <a:rPr lang="en-US" noProof="1">
                 <a:solidFill>
                   <a:schemeClr val="accent3"/>
                 </a:solidFill>
                 <a:latin typeface="Consolas" panose="020B0609020204030204" pitchFamily="49" charset="0"/>
                 <a:cs typeface="Consolas" panose="020B0609020204030204" pitchFamily="49" charset="0"/>
               </a:rPr>
-              <a:t>&lt;span </a:t>
+              <a:t>”, “Hiking</a:t>
             </a:r>
             <a:r>
               <a:rPr lang="en-US" noProof="1" smtClean="0">
                 <a:solidFill>
-                  <a:schemeClr val="accent5"/>
+                  <a:schemeClr val="accent3"/>
                 </a:solidFill>
                 <a:latin typeface="Consolas" panose="020B0609020204030204" pitchFamily="49" charset="0"/>
                 <a:cs typeface="Consolas" panose="020B0609020204030204" pitchFamily="49" charset="0"/>
               </a:rPr>
-              <a:t>data-bind=“text: fullName”</a:t>
-            </a:r>
-            <a:r>
-              <a:rPr lang="en-US" noProof="1" smtClean="0">
-                <a:solidFill>
-                  <a:schemeClr val="accent3"/>
-                </a:solidFill>
-                <a:latin typeface="Consolas" panose="020B0609020204030204" pitchFamily="49" charset="0"/>
-                <a:cs typeface="Consolas" panose="020B0609020204030204" pitchFamily="49" charset="0"/>
-              </a:rPr>
-              <a:t> /&gt;</a:t>
-            </a:r>
-            <a:r>
-              <a:rPr lang="en-US" noProof="1" smtClean="0">
-                <a:solidFill>
-                  <a:schemeClr val="tx2">
-                    <a:lumMod val="60000"/>
-                    <a:lumOff val="40000"/>
-                  </a:schemeClr>
-                </a:solidFill>
-                <a:latin typeface="Consolas" panose="020B0609020204030204" pitchFamily="49" charset="0"/>
-                <a:cs typeface="Consolas" panose="020B0609020204030204" pitchFamily="49" charset="0"/>
-              </a:rPr>
-              <a:t>!</a:t>
-            </a:r>
-            <a:r>
-              <a:rPr lang="en-US" noProof="1" smtClean="0">
-                <a:solidFill>
-                  <a:schemeClr val="accent3"/>
-                </a:solidFill>
-                <a:latin typeface="Consolas" panose="020B0609020204030204" pitchFamily="49" charset="0"/>
-                <a:cs typeface="Consolas" panose="020B0609020204030204" pitchFamily="49" charset="0"/>
-              </a:rPr>
-              <a:t>&lt;/p&gt;</a:t>
-            </a:r>
-          </a:p>
-          <a:p>
-            <a:pPr marL="0" indent="0">
-              <a:buNone/>
-            </a:pPr>
-            <a:r>
-              <a:rPr lang="en-US" noProof="1" smtClean="0">
-                <a:solidFill>
-                  <a:schemeClr val="accent3"/>
-                </a:solidFill>
-                <a:latin typeface="Consolas" panose="020B0609020204030204" pitchFamily="49" charset="0"/>
-                <a:cs typeface="Consolas" panose="020B0609020204030204" pitchFamily="49" charset="0"/>
-              </a:rPr>
-              <a:t>&lt;/div&gt;</a:t>
-            </a:r>
-          </a:p>
-          <a:p>
-            <a:pPr marL="0" indent="0">
-              <a:buNone/>
-            </a:pPr>
-            <a:endParaRPr lang="en-US" noProof="1" smtClean="0">
+              <a:t>”, “Swimming”]);</a:t>
+            </a:r>
+            <a:endParaRPr lang="en-US" noProof="1">
               <a:solidFill>
                 <a:schemeClr val="accent3"/>
               </a:solidFill>
@@ -19571,44 +19538,19 @@
             <a:pPr marL="0" indent="0">
               <a:buNone/>
             </a:pPr>
-            <a:r>
-              <a:rPr lang="en-US" noProof="1"/>
-              <a:t>JavaScript:</a:t>
-            </a:r>
+            <a:endParaRPr lang="en-US" noProof="1" smtClean="0"/>
           </a:p>
           <a:p>
             <a:pPr marL="0" indent="0">
               <a:buNone/>
             </a:pPr>
             <a:r>
-              <a:rPr lang="en-US" noProof="1" smtClean="0">
-                <a:solidFill>
-                  <a:schemeClr val="accent3"/>
-                </a:solidFill>
-                <a:latin typeface="Consolas" panose="020B0609020204030204" pitchFamily="49" charset="0"/>
-                <a:cs typeface="Consolas" panose="020B0609020204030204" pitchFamily="49" charset="0"/>
-              </a:rPr>
-              <a:t>var rootElement = document.querySelector(“#</a:t>
-            </a:r>
-            <a:r>
-              <a:rPr lang="en-US" noProof="1">
-                <a:solidFill>
-                  <a:schemeClr val="accent3"/>
-                </a:solidFill>
-                <a:latin typeface="Consolas" panose="020B0609020204030204" pitchFamily="49" charset="0"/>
-                <a:cs typeface="Consolas" panose="020B0609020204030204" pitchFamily="49" charset="0"/>
-              </a:rPr>
-              <a:t>root</a:t>
-            </a:r>
-            <a:r>
-              <a:rPr lang="en-US" noProof="1" smtClean="0">
-                <a:solidFill>
-                  <a:schemeClr val="accent3"/>
-                </a:solidFill>
-                <a:latin typeface="Consolas" panose="020B0609020204030204" pitchFamily="49" charset="0"/>
-                <a:cs typeface="Consolas" panose="020B0609020204030204" pitchFamily="49" charset="0"/>
-              </a:rPr>
-              <a:t>”);</a:t>
+              <a:rPr lang="en-US" b="1" noProof="1" smtClean="0"/>
+              <a:t>Virtual values</a:t>
+            </a:r>
+            <a:r>
+              <a:rPr lang="en-US" noProof="1" smtClean="0"/>
+              <a:t>: ko.computed()</a:t>
             </a:r>
           </a:p>
           <a:p>
@@ -19616,18 +19558,68 @@
               <a:buNone/>
             </a:pPr>
             <a:r>
-              <a:rPr lang="en-US" noProof="1" smtClean="0">
-                <a:solidFill>
-                  <a:schemeClr val="accent5"/>
+              <a:rPr lang="en-US" noProof="1">
+                <a:solidFill>
+                  <a:schemeClr val="accent3"/>
                 </a:solidFill>
                 <a:latin typeface="Consolas" panose="020B0609020204030204" pitchFamily="49" charset="0"/>
                 <a:cs typeface="Consolas" panose="020B0609020204030204" pitchFamily="49" charset="0"/>
               </a:rPr>
-              <a:t>ko.applyBindings(rootElement, viewModel);</a:t>
+              <a:t>max.fullName = ko.computed(function() {</a:t>
+            </a:r>
+          </a:p>
+          <a:p>
+            <a:pPr marL="0" indent="0">
+              <a:buNone/>
+            </a:pPr>
+            <a:r>
+              <a:rPr lang="en-US" noProof="1">
+                <a:solidFill>
+                  <a:schemeClr val="accent3"/>
+                </a:solidFill>
+                <a:latin typeface="Consolas" panose="020B0609020204030204" pitchFamily="49" charset="0"/>
+                <a:cs typeface="Consolas" panose="020B0609020204030204" pitchFamily="49" charset="0"/>
+              </a:rPr>
+              <a:t>	return max.firstName() + “ ” + max.lastName();</a:t>
+            </a:r>
+          </a:p>
+          <a:p>
+            <a:pPr marL="0" indent="0">
+              <a:buNone/>
+            </a:pPr>
+            <a:r>
+              <a:rPr lang="en-US" noProof="1">
+                <a:solidFill>
+                  <a:schemeClr val="accent3"/>
+                </a:solidFill>
+                <a:latin typeface="Consolas" panose="020B0609020204030204" pitchFamily="49" charset="0"/>
+                <a:cs typeface="Consolas" panose="020B0609020204030204" pitchFamily="49" charset="0"/>
+              </a:rPr>
+              <a:t>}); </a:t>
+            </a:r>
+            <a:r>
+              <a:rPr lang="en-US" noProof="1">
+                <a:solidFill>
+                  <a:schemeClr val="accent1"/>
+                </a:solidFill>
+                <a:latin typeface="Consolas" panose="020B0609020204030204" pitchFamily="49" charset="0"/>
+                <a:cs typeface="Consolas" panose="020B0609020204030204" pitchFamily="49" charset="0"/>
+              </a:rPr>
+              <a:t>// </a:t>
+            </a:r>
+            <a:r>
+              <a:rPr lang="en-US" noProof="1" smtClean="0">
+                <a:solidFill>
+                  <a:schemeClr val="accent1"/>
+                </a:solidFill>
+                <a:latin typeface="Consolas" panose="020B0609020204030204" pitchFamily="49" charset="0"/>
+                <a:cs typeface="Consolas" panose="020B0609020204030204" pitchFamily="49" charset="0"/>
+              </a:rPr>
+              <a:t>re-evaluating when any referenced observable changes</a:t>
             </a:r>
             <a:endParaRPr lang="en-US" noProof="1">
               <a:solidFill>
-                <a:schemeClr val="accent5"/>
+                <a:schemeClr val="accent1"/>
               </a:solidFill>
               <a:latin typeface="Consolas" panose="020B0609020204030204" pitchFamily="49" charset="0"/>
               <a:cs typeface="Consolas" panose="020B0609020204030204" pitchFamily="49" charset="0"/>
@@ -19638,7 +19630,7 @@
     </p:spTree>
     <p:extLst>
       <p:ext uri="{BB962C8B-B14F-4D97-AF65-F5344CB8AC3E}">
-        <p14:creationId xmlns:p14="http://schemas.microsoft.com/office/powerpoint/2010/main" val="2165226847"/>
+        <p14:creationId xmlns:p14="http://schemas.microsoft.com/office/powerpoint/2010/main" val="1671675831"/>
       </p:ext>
     </p:extLst>
   </p:cSld>
